--- a/Hackathon-Problem-Statements-Technology-Track-with-Link.pptx
+++ b/Hackathon-Problem-Statements-Technology-Track-with-Link.pptx
@@ -221,7 +221,7 @@
           <a:p>
             <a:fld id="{29F61E11-7D59-42FE-BCD7-2F62578F49F4}" type="datetimeFigureOut">
               <a:rPr lang="en-US" smtClean="0"/>
-              <a:t>3/18/2025</a:t>
+              <a:t>4/6/2025</a:t>
             </a:fld>
             <a:endParaRPr lang="en-US"/>
           </a:p>
@@ -46591,23 +46591,23 @@
           </a:lstStyle>
           <a:p>
             <a:r>
-              <a:rPr lang="en-GB" sz="2000">
+              <a:rPr lang="en-GB" sz="2000" dirty="0">
                 <a:latin typeface="Graphik"/>
               </a:rPr>
               <a:t>Problem Statement 1: </a:t>
             </a:r>
             <a:r>
-              <a:rPr lang="en-IN" sz="2000">
+              <a:rPr lang="en-IN" sz="2000" dirty="0">
                 <a:latin typeface="Graphik"/>
               </a:rPr>
               <a:t>Optimizing Retail Inventory with Multi Agents</a:t>
             </a:r>
-            <a:endParaRPr lang="en-IN" sz="2000" b="0">
+            <a:endParaRPr lang="en-IN" sz="2000" b="0" dirty="0">
               <a:latin typeface="Graphik"/>
             </a:endParaRPr>
           </a:p>
           <a:p>
-            <a:endParaRPr lang="en-IN" sz="2000">
+            <a:endParaRPr lang="en-IN" sz="2000" dirty="0">
               <a:latin typeface="Graphik"/>
             </a:endParaRPr>
           </a:p>
